--- a/6.pptx
+++ b/6.pptx
@@ -3977,7 +3977,11 @@
           <a:p>
             <a:r>
               <a:rPr lang="en-KR" dirty="0"/>
-              <a:t>3.2 Data Mining For Material Selection</a:t>
+              <a:t>3.2 Data Mining For </a:t>
+            </a:r>
+            <a:r>
+              <a:rPr lang="en-KR" b="1" dirty="0"/>
+              <a:t>Material Selection</a:t>
             </a:r>
           </a:p>
         </p:txBody>
@@ -4008,7 +4012,7 @@
             </a:pPr>
             <a:r>
               <a:rPr lang="en-KR" dirty="0"/>
-              <a:t>3.2.1 Requirement Description</a:t>
+              <a:t>Requirement Description</a:t>
             </a:r>
           </a:p>
           <a:p>
@@ -4321,6 +4325,261 @@
   <p:clrMapOvr>
     <a:masterClrMapping/>
   </p:clrMapOvr>
+  <p:timing>
+    <p:tnLst>
+      <p:par>
+        <p:cTn id="1" dur="indefinite" restart="never" nodeType="tmRoot">
+          <p:childTnLst>
+            <p:seq concurrent="1" nextAc="seek">
+              <p:cTn id="2" dur="indefinite" nodeType="mainSeq">
+                <p:childTnLst>
+                  <p:par>
+                    <p:cTn id="3" fill="hold">
+                      <p:stCondLst>
+                        <p:cond delay="indefinite"/>
+                      </p:stCondLst>
+                      <p:childTnLst>
+                        <p:par>
+                          <p:cTn id="4" fill="hold">
+                            <p:stCondLst>
+                              <p:cond delay="0"/>
+                            </p:stCondLst>
+                            <p:childTnLst>
+                              <p:par>
+                                <p:cTn id="5" presetID="1" presetClass="entr" presetSubtype="0" fill="hold" grpId="0" nodeType="clickEffect">
+                                  <p:stCondLst>
+                                    <p:cond delay="0"/>
+                                  </p:stCondLst>
+                                  <p:childTnLst>
+                                    <p:set>
+                                      <p:cBhvr>
+                                        <p:cTn id="6" dur="1" fill="hold">
+                                          <p:stCondLst>
+                                            <p:cond delay="0"/>
+                                          </p:stCondLst>
+                                        </p:cTn>
+                                        <p:tgtEl>
+                                          <p:spTgt spid="3">
+                                            <p:txEl>
+                                              <p:pRg st="0" end="0"/>
+                                            </p:txEl>
+                                          </p:spTgt>
+                                        </p:tgtEl>
+                                        <p:attrNameLst>
+                                          <p:attrName>style.visibility</p:attrName>
+                                        </p:attrNameLst>
+                                      </p:cBhvr>
+                                      <p:to>
+                                        <p:strVal val="visible"/>
+                                      </p:to>
+                                    </p:set>
+                                  </p:childTnLst>
+                                </p:cTn>
+                              </p:par>
+                              <p:par>
+                                <p:cTn id="7" presetID="1" presetClass="entr" presetSubtype="0" fill="hold" grpId="0" nodeType="withEffect">
+                                  <p:stCondLst>
+                                    <p:cond delay="0"/>
+                                  </p:stCondLst>
+                                  <p:childTnLst>
+                                    <p:set>
+                                      <p:cBhvr>
+                                        <p:cTn id="8" dur="1" fill="hold">
+                                          <p:stCondLst>
+                                            <p:cond delay="0"/>
+                                          </p:stCondLst>
+                                        </p:cTn>
+                                        <p:tgtEl>
+                                          <p:spTgt spid="3">
+                                            <p:txEl>
+                                              <p:pRg st="1" end="1"/>
+                                            </p:txEl>
+                                          </p:spTgt>
+                                        </p:tgtEl>
+                                        <p:attrNameLst>
+                                          <p:attrName>style.visibility</p:attrName>
+                                        </p:attrNameLst>
+                                      </p:cBhvr>
+                                      <p:to>
+                                        <p:strVal val="visible"/>
+                                      </p:to>
+                                    </p:set>
+                                  </p:childTnLst>
+                                </p:cTn>
+                              </p:par>
+                              <p:par>
+                                <p:cTn id="9" presetID="1" presetClass="entr" presetSubtype="0" fill="hold" grpId="0" nodeType="withEffect">
+                                  <p:stCondLst>
+                                    <p:cond delay="0"/>
+                                  </p:stCondLst>
+                                  <p:childTnLst>
+                                    <p:set>
+                                      <p:cBhvr>
+                                        <p:cTn id="10" dur="1" fill="hold">
+                                          <p:stCondLst>
+                                            <p:cond delay="0"/>
+                                          </p:stCondLst>
+                                        </p:cTn>
+                                        <p:tgtEl>
+                                          <p:spTgt spid="3">
+                                            <p:txEl>
+                                              <p:pRg st="2" end="2"/>
+                                            </p:txEl>
+                                          </p:spTgt>
+                                        </p:tgtEl>
+                                        <p:attrNameLst>
+                                          <p:attrName>style.visibility</p:attrName>
+                                        </p:attrNameLst>
+                                      </p:cBhvr>
+                                      <p:to>
+                                        <p:strVal val="visible"/>
+                                      </p:to>
+                                    </p:set>
+                                  </p:childTnLst>
+                                </p:cTn>
+                              </p:par>
+                              <p:par>
+                                <p:cTn id="11" presetID="1" presetClass="entr" presetSubtype="0" fill="hold" grpId="0" nodeType="withEffect">
+                                  <p:stCondLst>
+                                    <p:cond delay="0"/>
+                                  </p:stCondLst>
+                                  <p:childTnLst>
+                                    <p:set>
+                                      <p:cBhvr>
+                                        <p:cTn id="12" dur="1" fill="hold">
+                                          <p:stCondLst>
+                                            <p:cond delay="0"/>
+                                          </p:stCondLst>
+                                        </p:cTn>
+                                        <p:tgtEl>
+                                          <p:spTgt spid="3">
+                                            <p:txEl>
+                                              <p:pRg st="3" end="3"/>
+                                            </p:txEl>
+                                          </p:spTgt>
+                                        </p:tgtEl>
+                                        <p:attrNameLst>
+                                          <p:attrName>style.visibility</p:attrName>
+                                        </p:attrNameLst>
+                                      </p:cBhvr>
+                                      <p:to>
+                                        <p:strVal val="visible"/>
+                                      </p:to>
+                                    </p:set>
+                                  </p:childTnLst>
+                                </p:cTn>
+                              </p:par>
+                            </p:childTnLst>
+                          </p:cTn>
+                        </p:par>
+                      </p:childTnLst>
+                    </p:cTn>
+                  </p:par>
+                  <p:par>
+                    <p:cTn id="13" fill="hold">
+                      <p:stCondLst>
+                        <p:cond delay="indefinite"/>
+                      </p:stCondLst>
+                      <p:childTnLst>
+                        <p:par>
+                          <p:cTn id="14" fill="hold">
+                            <p:stCondLst>
+                              <p:cond delay="0"/>
+                            </p:stCondLst>
+                            <p:childTnLst>
+                              <p:par>
+                                <p:cTn id="15" presetID="1" presetClass="entr" presetSubtype="0" fill="hold" grpId="0" nodeType="clickEffect">
+                                  <p:stCondLst>
+                                    <p:cond delay="0"/>
+                                  </p:stCondLst>
+                                  <p:childTnLst>
+                                    <p:set>
+                                      <p:cBhvr>
+                                        <p:cTn id="16" dur="1" fill="hold">
+                                          <p:stCondLst>
+                                            <p:cond delay="0"/>
+                                          </p:stCondLst>
+                                        </p:cTn>
+                                        <p:tgtEl>
+                                          <p:spTgt spid="3">
+                                            <p:txEl>
+                                              <p:pRg st="4" end="4"/>
+                                            </p:txEl>
+                                          </p:spTgt>
+                                        </p:tgtEl>
+                                        <p:attrNameLst>
+                                          <p:attrName>style.visibility</p:attrName>
+                                        </p:attrNameLst>
+                                      </p:cBhvr>
+                                      <p:to>
+                                        <p:strVal val="visible"/>
+                                      </p:to>
+                                    </p:set>
+                                  </p:childTnLst>
+                                </p:cTn>
+                              </p:par>
+                              <p:par>
+                                <p:cTn id="17" presetID="1" presetClass="entr" presetSubtype="0" fill="hold" grpId="0" nodeType="withEffect">
+                                  <p:stCondLst>
+                                    <p:cond delay="0"/>
+                                  </p:stCondLst>
+                                  <p:childTnLst>
+                                    <p:set>
+                                      <p:cBhvr>
+                                        <p:cTn id="18" dur="1" fill="hold">
+                                          <p:stCondLst>
+                                            <p:cond delay="0"/>
+                                          </p:stCondLst>
+                                        </p:cTn>
+                                        <p:tgtEl>
+                                          <p:spTgt spid="3">
+                                            <p:txEl>
+                                              <p:pRg st="5" end="5"/>
+                                            </p:txEl>
+                                          </p:spTgt>
+                                        </p:tgtEl>
+                                        <p:attrNameLst>
+                                          <p:attrName>style.visibility</p:attrName>
+                                        </p:attrNameLst>
+                                      </p:cBhvr>
+                                      <p:to>
+                                        <p:strVal val="visible"/>
+                                      </p:to>
+                                    </p:set>
+                                  </p:childTnLst>
+                                </p:cTn>
+                              </p:par>
+                            </p:childTnLst>
+                          </p:cTn>
+                        </p:par>
+                      </p:childTnLst>
+                    </p:cTn>
+                  </p:par>
+                </p:childTnLst>
+              </p:cTn>
+              <p:prevCondLst>
+                <p:cond evt="onPrev" delay="0">
+                  <p:tgtEl>
+                    <p:sldTgt/>
+                  </p:tgtEl>
+                </p:cond>
+              </p:prevCondLst>
+              <p:nextCondLst>
+                <p:cond evt="onNext" delay="0">
+                  <p:tgtEl>
+                    <p:sldTgt/>
+                  </p:tgtEl>
+                </p:cond>
+              </p:nextCondLst>
+            </p:seq>
+          </p:childTnLst>
+        </p:cTn>
+      </p:par>
+    </p:tnLst>
+    <p:bldLst>
+      <p:bldP spid="3" grpId="0" build="p"/>
+    </p:bldLst>
+  </p:timing>
 </p:sld>
 </file>
 
@@ -4364,7 +4623,11 @@
           <a:p>
             <a:r>
               <a:rPr lang="en-KR" dirty="0"/>
-              <a:t>3.3 Data Mining For Process Design And Operation Management</a:t>
+              <a:t>3.3 Data Mining For </a:t>
+            </a:r>
+            <a:r>
+              <a:rPr lang="en-KR" b="1" dirty="0"/>
+              <a:t>Process Design And Operation Management</a:t>
             </a:r>
           </a:p>
         </p:txBody>
@@ -4551,6 +4814,578 @@
   <p:clrMapOvr>
     <a:masterClrMapping/>
   </p:clrMapOvr>
+  <p:timing>
+    <p:tnLst>
+      <p:par>
+        <p:cTn id="1" dur="indefinite" restart="never" nodeType="tmRoot">
+          <p:childTnLst>
+            <p:seq concurrent="1" nextAc="seek">
+              <p:cTn id="2" dur="indefinite" nodeType="mainSeq">
+                <p:childTnLst>
+                  <p:par>
+                    <p:cTn id="3" fill="hold">
+                      <p:stCondLst>
+                        <p:cond delay="indefinite"/>
+                      </p:stCondLst>
+                      <p:childTnLst>
+                        <p:par>
+                          <p:cTn id="4" fill="hold">
+                            <p:stCondLst>
+                              <p:cond delay="0"/>
+                            </p:stCondLst>
+                            <p:childTnLst>
+                              <p:par>
+                                <p:cTn id="5" presetID="1" presetClass="entr" presetSubtype="0" fill="hold" grpId="0" nodeType="clickEffect">
+                                  <p:stCondLst>
+                                    <p:cond delay="0"/>
+                                  </p:stCondLst>
+                                  <p:childTnLst>
+                                    <p:set>
+                                      <p:cBhvr>
+                                        <p:cTn id="6" dur="1" fill="hold">
+                                          <p:stCondLst>
+                                            <p:cond delay="0"/>
+                                          </p:stCondLst>
+                                        </p:cTn>
+                                        <p:tgtEl>
+                                          <p:spTgt spid="3">
+                                            <p:txEl>
+                                              <p:pRg st="0" end="0"/>
+                                            </p:txEl>
+                                          </p:spTgt>
+                                        </p:tgtEl>
+                                        <p:attrNameLst>
+                                          <p:attrName>style.visibility</p:attrName>
+                                        </p:attrNameLst>
+                                      </p:cBhvr>
+                                      <p:to>
+                                        <p:strVal val="visible"/>
+                                      </p:to>
+                                    </p:set>
+                                  </p:childTnLst>
+                                </p:cTn>
+                              </p:par>
+                            </p:childTnLst>
+                          </p:cTn>
+                        </p:par>
+                      </p:childTnLst>
+                    </p:cTn>
+                  </p:par>
+                  <p:par>
+                    <p:cTn id="7" fill="hold">
+                      <p:stCondLst>
+                        <p:cond delay="indefinite"/>
+                      </p:stCondLst>
+                      <p:childTnLst>
+                        <p:par>
+                          <p:cTn id="8" fill="hold">
+                            <p:stCondLst>
+                              <p:cond delay="0"/>
+                            </p:stCondLst>
+                            <p:childTnLst>
+                              <p:par>
+                                <p:cTn id="9" presetID="1" presetClass="entr" presetSubtype="0" fill="hold" grpId="0" nodeType="clickEffect">
+                                  <p:stCondLst>
+                                    <p:cond delay="0"/>
+                                  </p:stCondLst>
+                                  <p:childTnLst>
+                                    <p:set>
+                                      <p:cBhvr>
+                                        <p:cTn id="10" dur="1" fill="hold">
+                                          <p:stCondLst>
+                                            <p:cond delay="0"/>
+                                          </p:stCondLst>
+                                        </p:cTn>
+                                        <p:tgtEl>
+                                          <p:spTgt spid="3">
+                                            <p:txEl>
+                                              <p:pRg st="1" end="1"/>
+                                            </p:txEl>
+                                          </p:spTgt>
+                                        </p:tgtEl>
+                                        <p:attrNameLst>
+                                          <p:attrName>style.visibility</p:attrName>
+                                        </p:attrNameLst>
+                                      </p:cBhvr>
+                                      <p:to>
+                                        <p:strVal val="visible"/>
+                                      </p:to>
+                                    </p:set>
+                                  </p:childTnLst>
+                                </p:cTn>
+                              </p:par>
+                            </p:childTnLst>
+                          </p:cTn>
+                        </p:par>
+                      </p:childTnLst>
+                    </p:cTn>
+                  </p:par>
+                  <p:par>
+                    <p:cTn id="11" fill="hold">
+                      <p:stCondLst>
+                        <p:cond delay="indefinite"/>
+                      </p:stCondLst>
+                      <p:childTnLst>
+                        <p:par>
+                          <p:cTn id="12" fill="hold">
+                            <p:stCondLst>
+                              <p:cond delay="0"/>
+                            </p:stCondLst>
+                            <p:childTnLst>
+                              <p:par>
+                                <p:cTn id="13" presetID="1" presetClass="entr" presetSubtype="0" fill="hold" grpId="0" nodeType="clickEffect">
+                                  <p:stCondLst>
+                                    <p:cond delay="0"/>
+                                  </p:stCondLst>
+                                  <p:childTnLst>
+                                    <p:set>
+                                      <p:cBhvr>
+                                        <p:cTn id="14" dur="1" fill="hold">
+                                          <p:stCondLst>
+                                            <p:cond delay="0"/>
+                                          </p:stCondLst>
+                                        </p:cTn>
+                                        <p:tgtEl>
+                                          <p:spTgt spid="3">
+                                            <p:txEl>
+                                              <p:pRg st="2" end="2"/>
+                                            </p:txEl>
+                                          </p:spTgt>
+                                        </p:tgtEl>
+                                        <p:attrNameLst>
+                                          <p:attrName>style.visibility</p:attrName>
+                                        </p:attrNameLst>
+                                      </p:cBhvr>
+                                      <p:to>
+                                        <p:strVal val="visible"/>
+                                      </p:to>
+                                    </p:set>
+                                  </p:childTnLst>
+                                </p:cTn>
+                              </p:par>
+                            </p:childTnLst>
+                          </p:cTn>
+                        </p:par>
+                      </p:childTnLst>
+                    </p:cTn>
+                  </p:par>
+                  <p:par>
+                    <p:cTn id="15" fill="hold">
+                      <p:stCondLst>
+                        <p:cond delay="indefinite"/>
+                      </p:stCondLst>
+                      <p:childTnLst>
+                        <p:par>
+                          <p:cTn id="16" fill="hold">
+                            <p:stCondLst>
+                              <p:cond delay="0"/>
+                            </p:stCondLst>
+                            <p:childTnLst>
+                              <p:par>
+                                <p:cTn id="17" presetID="1" presetClass="entr" presetSubtype="0" fill="hold" grpId="0" nodeType="clickEffect">
+                                  <p:stCondLst>
+                                    <p:cond delay="0"/>
+                                  </p:stCondLst>
+                                  <p:childTnLst>
+                                    <p:set>
+                                      <p:cBhvr>
+                                        <p:cTn id="18" dur="1" fill="hold">
+                                          <p:stCondLst>
+                                            <p:cond delay="0"/>
+                                          </p:stCondLst>
+                                        </p:cTn>
+                                        <p:tgtEl>
+                                          <p:spTgt spid="3">
+                                            <p:txEl>
+                                              <p:pRg st="3" end="3"/>
+                                            </p:txEl>
+                                          </p:spTgt>
+                                        </p:tgtEl>
+                                        <p:attrNameLst>
+                                          <p:attrName>style.visibility</p:attrName>
+                                        </p:attrNameLst>
+                                      </p:cBhvr>
+                                      <p:to>
+                                        <p:strVal val="visible"/>
+                                      </p:to>
+                                    </p:set>
+                                  </p:childTnLst>
+                                </p:cTn>
+                              </p:par>
+                            </p:childTnLst>
+                          </p:cTn>
+                        </p:par>
+                      </p:childTnLst>
+                    </p:cTn>
+                  </p:par>
+                  <p:par>
+                    <p:cTn id="19" fill="hold">
+                      <p:stCondLst>
+                        <p:cond delay="indefinite"/>
+                      </p:stCondLst>
+                      <p:childTnLst>
+                        <p:par>
+                          <p:cTn id="20" fill="hold">
+                            <p:stCondLst>
+                              <p:cond delay="0"/>
+                            </p:stCondLst>
+                            <p:childTnLst>
+                              <p:par>
+                                <p:cTn id="21" presetID="1" presetClass="entr" presetSubtype="0" fill="hold" grpId="0" nodeType="clickEffect">
+                                  <p:stCondLst>
+                                    <p:cond delay="0"/>
+                                  </p:stCondLst>
+                                  <p:childTnLst>
+                                    <p:set>
+                                      <p:cBhvr>
+                                        <p:cTn id="22" dur="1" fill="hold">
+                                          <p:stCondLst>
+                                            <p:cond delay="0"/>
+                                          </p:stCondLst>
+                                        </p:cTn>
+                                        <p:tgtEl>
+                                          <p:spTgt spid="3">
+                                            <p:txEl>
+                                              <p:pRg st="4" end="4"/>
+                                            </p:txEl>
+                                          </p:spTgt>
+                                        </p:tgtEl>
+                                        <p:attrNameLst>
+                                          <p:attrName>style.visibility</p:attrName>
+                                        </p:attrNameLst>
+                                      </p:cBhvr>
+                                      <p:to>
+                                        <p:strVal val="visible"/>
+                                      </p:to>
+                                    </p:set>
+                                  </p:childTnLst>
+                                </p:cTn>
+                              </p:par>
+                            </p:childTnLst>
+                          </p:cTn>
+                        </p:par>
+                      </p:childTnLst>
+                    </p:cTn>
+                  </p:par>
+                  <p:par>
+                    <p:cTn id="23" fill="hold">
+                      <p:stCondLst>
+                        <p:cond delay="indefinite"/>
+                      </p:stCondLst>
+                      <p:childTnLst>
+                        <p:par>
+                          <p:cTn id="24" fill="hold">
+                            <p:stCondLst>
+                              <p:cond delay="0"/>
+                            </p:stCondLst>
+                            <p:childTnLst>
+                              <p:par>
+                                <p:cTn id="25" presetID="1" presetClass="entr" presetSubtype="0" fill="hold" grpId="0" nodeType="clickEffect">
+                                  <p:stCondLst>
+                                    <p:cond delay="0"/>
+                                  </p:stCondLst>
+                                  <p:childTnLst>
+                                    <p:set>
+                                      <p:cBhvr>
+                                        <p:cTn id="26" dur="1" fill="hold">
+                                          <p:stCondLst>
+                                            <p:cond delay="0"/>
+                                          </p:stCondLst>
+                                        </p:cTn>
+                                        <p:tgtEl>
+                                          <p:spTgt spid="3">
+                                            <p:txEl>
+                                              <p:pRg st="5" end="5"/>
+                                            </p:txEl>
+                                          </p:spTgt>
+                                        </p:tgtEl>
+                                        <p:attrNameLst>
+                                          <p:attrName>style.visibility</p:attrName>
+                                        </p:attrNameLst>
+                                      </p:cBhvr>
+                                      <p:to>
+                                        <p:strVal val="visible"/>
+                                      </p:to>
+                                    </p:set>
+                                  </p:childTnLst>
+                                </p:cTn>
+                              </p:par>
+                            </p:childTnLst>
+                          </p:cTn>
+                        </p:par>
+                      </p:childTnLst>
+                    </p:cTn>
+                  </p:par>
+                  <p:par>
+                    <p:cTn id="27" fill="hold">
+                      <p:stCondLst>
+                        <p:cond delay="indefinite"/>
+                      </p:stCondLst>
+                      <p:childTnLst>
+                        <p:par>
+                          <p:cTn id="28" fill="hold">
+                            <p:stCondLst>
+                              <p:cond delay="0"/>
+                            </p:stCondLst>
+                            <p:childTnLst>
+                              <p:par>
+                                <p:cTn id="29" presetID="1" presetClass="entr" presetSubtype="0" fill="hold" grpId="0" nodeType="clickEffect">
+                                  <p:stCondLst>
+                                    <p:cond delay="0"/>
+                                  </p:stCondLst>
+                                  <p:childTnLst>
+                                    <p:set>
+                                      <p:cBhvr>
+                                        <p:cTn id="30" dur="1" fill="hold">
+                                          <p:stCondLst>
+                                            <p:cond delay="0"/>
+                                          </p:stCondLst>
+                                        </p:cTn>
+                                        <p:tgtEl>
+                                          <p:spTgt spid="3">
+                                            <p:txEl>
+                                              <p:pRg st="6" end="6"/>
+                                            </p:txEl>
+                                          </p:spTgt>
+                                        </p:tgtEl>
+                                        <p:attrNameLst>
+                                          <p:attrName>style.visibility</p:attrName>
+                                        </p:attrNameLst>
+                                      </p:cBhvr>
+                                      <p:to>
+                                        <p:strVal val="visible"/>
+                                      </p:to>
+                                    </p:set>
+                                  </p:childTnLst>
+                                </p:cTn>
+                              </p:par>
+                            </p:childTnLst>
+                          </p:cTn>
+                        </p:par>
+                      </p:childTnLst>
+                    </p:cTn>
+                  </p:par>
+                  <p:par>
+                    <p:cTn id="31" fill="hold">
+                      <p:stCondLst>
+                        <p:cond delay="indefinite"/>
+                      </p:stCondLst>
+                      <p:childTnLst>
+                        <p:par>
+                          <p:cTn id="32" fill="hold">
+                            <p:stCondLst>
+                              <p:cond delay="0"/>
+                            </p:stCondLst>
+                            <p:childTnLst>
+                              <p:par>
+                                <p:cTn id="33" presetID="1" presetClass="entr" presetSubtype="0" fill="hold" grpId="0" nodeType="clickEffect">
+                                  <p:stCondLst>
+                                    <p:cond delay="0"/>
+                                  </p:stCondLst>
+                                  <p:childTnLst>
+                                    <p:set>
+                                      <p:cBhvr>
+                                        <p:cTn id="34" dur="1" fill="hold">
+                                          <p:stCondLst>
+                                            <p:cond delay="0"/>
+                                          </p:stCondLst>
+                                        </p:cTn>
+                                        <p:tgtEl>
+                                          <p:spTgt spid="3">
+                                            <p:txEl>
+                                              <p:pRg st="7" end="7"/>
+                                            </p:txEl>
+                                          </p:spTgt>
+                                        </p:tgtEl>
+                                        <p:attrNameLst>
+                                          <p:attrName>style.visibility</p:attrName>
+                                        </p:attrNameLst>
+                                      </p:cBhvr>
+                                      <p:to>
+                                        <p:strVal val="visible"/>
+                                      </p:to>
+                                    </p:set>
+                                  </p:childTnLst>
+                                </p:cTn>
+                              </p:par>
+                            </p:childTnLst>
+                          </p:cTn>
+                        </p:par>
+                      </p:childTnLst>
+                    </p:cTn>
+                  </p:par>
+                  <p:par>
+                    <p:cTn id="35" fill="hold">
+                      <p:stCondLst>
+                        <p:cond delay="indefinite"/>
+                      </p:stCondLst>
+                      <p:childTnLst>
+                        <p:par>
+                          <p:cTn id="36" fill="hold">
+                            <p:stCondLst>
+                              <p:cond delay="0"/>
+                            </p:stCondLst>
+                            <p:childTnLst>
+                              <p:par>
+                                <p:cTn id="37" presetID="1" presetClass="entr" presetSubtype="0" fill="hold" grpId="0" nodeType="clickEffect">
+                                  <p:stCondLst>
+                                    <p:cond delay="0"/>
+                                  </p:stCondLst>
+                                  <p:childTnLst>
+                                    <p:set>
+                                      <p:cBhvr>
+                                        <p:cTn id="38" dur="1" fill="hold">
+                                          <p:stCondLst>
+                                            <p:cond delay="0"/>
+                                          </p:stCondLst>
+                                        </p:cTn>
+                                        <p:tgtEl>
+                                          <p:spTgt spid="3">
+                                            <p:txEl>
+                                              <p:pRg st="8" end="8"/>
+                                            </p:txEl>
+                                          </p:spTgt>
+                                        </p:tgtEl>
+                                        <p:attrNameLst>
+                                          <p:attrName>style.visibility</p:attrName>
+                                        </p:attrNameLst>
+                                      </p:cBhvr>
+                                      <p:to>
+                                        <p:strVal val="visible"/>
+                                      </p:to>
+                                    </p:set>
+                                  </p:childTnLst>
+                                </p:cTn>
+                              </p:par>
+                            </p:childTnLst>
+                          </p:cTn>
+                        </p:par>
+                      </p:childTnLst>
+                    </p:cTn>
+                  </p:par>
+                  <p:par>
+                    <p:cTn id="39" fill="hold">
+                      <p:stCondLst>
+                        <p:cond delay="indefinite"/>
+                      </p:stCondLst>
+                      <p:childTnLst>
+                        <p:par>
+                          <p:cTn id="40" fill="hold">
+                            <p:stCondLst>
+                              <p:cond delay="0"/>
+                            </p:stCondLst>
+                            <p:childTnLst>
+                              <p:par>
+                                <p:cTn id="41" presetID="1" presetClass="entr" presetSubtype="0" fill="hold" grpId="0" nodeType="clickEffect">
+                                  <p:stCondLst>
+                                    <p:cond delay="0"/>
+                                  </p:stCondLst>
+                                  <p:childTnLst>
+                                    <p:set>
+                                      <p:cBhvr>
+                                        <p:cTn id="42" dur="1" fill="hold">
+                                          <p:stCondLst>
+                                            <p:cond delay="0"/>
+                                          </p:stCondLst>
+                                        </p:cTn>
+                                        <p:tgtEl>
+                                          <p:spTgt spid="3">
+                                            <p:txEl>
+                                              <p:pRg st="9" end="9"/>
+                                            </p:txEl>
+                                          </p:spTgt>
+                                        </p:tgtEl>
+                                        <p:attrNameLst>
+                                          <p:attrName>style.visibility</p:attrName>
+                                        </p:attrNameLst>
+                                      </p:cBhvr>
+                                      <p:to>
+                                        <p:strVal val="visible"/>
+                                      </p:to>
+                                    </p:set>
+                                  </p:childTnLst>
+                                </p:cTn>
+                              </p:par>
+                            </p:childTnLst>
+                          </p:cTn>
+                        </p:par>
+                      </p:childTnLst>
+                    </p:cTn>
+                  </p:par>
+                  <p:par>
+                    <p:cTn id="43" fill="hold">
+                      <p:stCondLst>
+                        <p:cond delay="indefinite"/>
+                      </p:stCondLst>
+                      <p:childTnLst>
+                        <p:par>
+                          <p:cTn id="44" fill="hold">
+                            <p:stCondLst>
+                              <p:cond delay="0"/>
+                            </p:stCondLst>
+                            <p:childTnLst>
+                              <p:par>
+                                <p:cTn id="45" presetID="1" presetClass="entr" presetSubtype="0" fill="hold" grpId="0" nodeType="clickEffect">
+                                  <p:stCondLst>
+                                    <p:cond delay="0"/>
+                                  </p:stCondLst>
+                                  <p:childTnLst>
+                                    <p:set>
+                                      <p:cBhvr>
+                                        <p:cTn id="46" dur="1" fill="hold">
+                                          <p:stCondLst>
+                                            <p:cond delay="0"/>
+                                          </p:stCondLst>
+                                        </p:cTn>
+                                        <p:tgtEl>
+                                          <p:spTgt spid="3">
+                                            <p:txEl>
+                                              <p:pRg st="10" end="10"/>
+                                            </p:txEl>
+                                          </p:spTgt>
+                                        </p:tgtEl>
+                                        <p:attrNameLst>
+                                          <p:attrName>style.visibility</p:attrName>
+                                        </p:attrNameLst>
+                                      </p:cBhvr>
+                                      <p:to>
+                                        <p:strVal val="visible"/>
+                                      </p:to>
+                                    </p:set>
+                                  </p:childTnLst>
+                                </p:cTn>
+                              </p:par>
+                            </p:childTnLst>
+                          </p:cTn>
+                        </p:par>
+                      </p:childTnLst>
+                    </p:cTn>
+                  </p:par>
+                </p:childTnLst>
+              </p:cTn>
+              <p:prevCondLst>
+                <p:cond evt="onPrev" delay="0">
+                  <p:tgtEl>
+                    <p:sldTgt/>
+                  </p:tgtEl>
+                </p:cond>
+              </p:prevCondLst>
+              <p:nextCondLst>
+                <p:cond evt="onNext" delay="0">
+                  <p:tgtEl>
+                    <p:sldTgt/>
+                  </p:tgtEl>
+                </p:cond>
+              </p:nextCondLst>
+            </p:seq>
+          </p:childTnLst>
+        </p:cTn>
+      </p:par>
+    </p:tnLst>
+    <p:bldLst>
+      <p:bldP spid="3" grpId="0" build="p"/>
+    </p:bldLst>
+  </p:timing>
 </p:sld>
 </file>
 
@@ -4596,7 +5431,15 @@
           <a:p>
             <a:r>
               <a:rPr lang="en-KR" dirty="0"/>
-              <a:t>3.4 Data Mining For Product Inspection, And After-Sales Services (Repair and Maintenance)</a:t>
+              <a:t>3.4 Data Mining For </a:t>
+            </a:r>
+            <a:r>
+              <a:rPr lang="en-KR" b="1" dirty="0"/>
+              <a:t>Product Inspection, And After-Sales Services</a:t>
+            </a:r>
+            <a:r>
+              <a:rPr lang="en-KR" dirty="0"/>
+              <a:t> (Repair and Maintenance)</a:t>
             </a:r>
           </a:p>
         </p:txBody>
@@ -4617,9 +5460,16 @@
             <p:ph idx="1"/>
           </p:nvPr>
         </p:nvSpPr>
-        <p:spPr/>
-        <p:txBody>
-          <a:bodyPr/>
+        <p:spPr>
+          <a:xfrm>
+            <a:off x="838200" y="1825624"/>
+            <a:ext cx="10515600" cy="4731929"/>
+          </a:xfrm>
+        </p:spPr>
+        <p:txBody>
+          <a:bodyPr>
+            <a:normAutofit lnSpcReduction="10000"/>
+          </a:bodyPr>
           <a:lstStyle/>
           <a:p>
             <a:pPr marL="0" indent="0">
@@ -4681,6 +5531,13 @@
               <a:rPr lang="en-KR" dirty="0"/>
               <a:t>wo datas are different, data mining is needed</a:t>
             </a:r>
+          </a:p>
+          <a:p>
+            <a:pPr marL="514350" indent="-514350">
+              <a:buFont typeface="+mj-lt"/>
+              <a:buAutoNum type="arabicPeriod"/>
+            </a:pPr>
+            <a:endParaRPr lang="en-KR" dirty="0"/>
           </a:p>
           <a:p>
             <a:pPr marL="0" indent="0">
@@ -4762,6 +5619,444 @@
   <p:clrMapOvr>
     <a:masterClrMapping/>
   </p:clrMapOvr>
+  <p:timing>
+    <p:tnLst>
+      <p:par>
+        <p:cTn id="1" dur="indefinite" restart="never" nodeType="tmRoot">
+          <p:childTnLst>
+            <p:seq concurrent="1" nextAc="seek">
+              <p:cTn id="2" dur="indefinite" nodeType="mainSeq">
+                <p:childTnLst>
+                  <p:par>
+                    <p:cTn id="3" fill="hold">
+                      <p:stCondLst>
+                        <p:cond delay="indefinite"/>
+                      </p:stCondLst>
+                      <p:childTnLst>
+                        <p:par>
+                          <p:cTn id="4" fill="hold">
+                            <p:stCondLst>
+                              <p:cond delay="0"/>
+                            </p:stCondLst>
+                            <p:childTnLst>
+                              <p:par>
+                                <p:cTn id="5" presetID="1" presetClass="entr" presetSubtype="0" fill="hold" grpId="0" nodeType="clickEffect">
+                                  <p:stCondLst>
+                                    <p:cond delay="0"/>
+                                  </p:stCondLst>
+                                  <p:childTnLst>
+                                    <p:set>
+                                      <p:cBhvr>
+                                        <p:cTn id="6" dur="1" fill="hold">
+                                          <p:stCondLst>
+                                            <p:cond delay="0"/>
+                                          </p:stCondLst>
+                                        </p:cTn>
+                                        <p:tgtEl>
+                                          <p:spTgt spid="3">
+                                            <p:txEl>
+                                              <p:pRg st="0" end="0"/>
+                                            </p:txEl>
+                                          </p:spTgt>
+                                        </p:tgtEl>
+                                        <p:attrNameLst>
+                                          <p:attrName>style.visibility</p:attrName>
+                                        </p:attrNameLst>
+                                      </p:cBhvr>
+                                      <p:to>
+                                        <p:strVal val="visible"/>
+                                      </p:to>
+                                    </p:set>
+                                  </p:childTnLst>
+                                </p:cTn>
+                              </p:par>
+                            </p:childTnLst>
+                          </p:cTn>
+                        </p:par>
+                      </p:childTnLst>
+                    </p:cTn>
+                  </p:par>
+                  <p:par>
+                    <p:cTn id="7" fill="hold">
+                      <p:stCondLst>
+                        <p:cond delay="indefinite"/>
+                      </p:stCondLst>
+                      <p:childTnLst>
+                        <p:par>
+                          <p:cTn id="8" fill="hold">
+                            <p:stCondLst>
+                              <p:cond delay="0"/>
+                            </p:stCondLst>
+                            <p:childTnLst>
+                              <p:par>
+                                <p:cTn id="9" presetID="1" presetClass="entr" presetSubtype="0" fill="hold" grpId="0" nodeType="clickEffect">
+                                  <p:stCondLst>
+                                    <p:cond delay="0"/>
+                                  </p:stCondLst>
+                                  <p:childTnLst>
+                                    <p:set>
+                                      <p:cBhvr>
+                                        <p:cTn id="10" dur="1" fill="hold">
+                                          <p:stCondLst>
+                                            <p:cond delay="0"/>
+                                          </p:stCondLst>
+                                        </p:cTn>
+                                        <p:tgtEl>
+                                          <p:spTgt spid="3">
+                                            <p:txEl>
+                                              <p:pRg st="1" end="1"/>
+                                            </p:txEl>
+                                          </p:spTgt>
+                                        </p:tgtEl>
+                                        <p:attrNameLst>
+                                          <p:attrName>style.visibility</p:attrName>
+                                        </p:attrNameLst>
+                                      </p:cBhvr>
+                                      <p:to>
+                                        <p:strVal val="visible"/>
+                                      </p:to>
+                                    </p:set>
+                                  </p:childTnLst>
+                                </p:cTn>
+                              </p:par>
+                              <p:par>
+                                <p:cTn id="11" presetID="1" presetClass="entr" presetSubtype="0" fill="hold" grpId="0" nodeType="withEffect">
+                                  <p:stCondLst>
+                                    <p:cond delay="0"/>
+                                  </p:stCondLst>
+                                  <p:childTnLst>
+                                    <p:set>
+                                      <p:cBhvr>
+                                        <p:cTn id="12" dur="1" fill="hold">
+                                          <p:stCondLst>
+                                            <p:cond delay="0"/>
+                                          </p:stCondLst>
+                                        </p:cTn>
+                                        <p:tgtEl>
+                                          <p:spTgt spid="3">
+                                            <p:txEl>
+                                              <p:pRg st="2" end="2"/>
+                                            </p:txEl>
+                                          </p:spTgt>
+                                        </p:tgtEl>
+                                        <p:attrNameLst>
+                                          <p:attrName>style.visibility</p:attrName>
+                                        </p:attrNameLst>
+                                      </p:cBhvr>
+                                      <p:to>
+                                        <p:strVal val="visible"/>
+                                      </p:to>
+                                    </p:set>
+                                  </p:childTnLst>
+                                </p:cTn>
+                              </p:par>
+                              <p:par>
+                                <p:cTn id="13" presetID="1" presetClass="entr" presetSubtype="0" fill="hold" grpId="0" nodeType="withEffect">
+                                  <p:stCondLst>
+                                    <p:cond delay="0"/>
+                                  </p:stCondLst>
+                                  <p:childTnLst>
+                                    <p:set>
+                                      <p:cBhvr>
+                                        <p:cTn id="14" dur="1" fill="hold">
+                                          <p:stCondLst>
+                                            <p:cond delay="0"/>
+                                          </p:stCondLst>
+                                        </p:cTn>
+                                        <p:tgtEl>
+                                          <p:spTgt spid="3">
+                                            <p:txEl>
+                                              <p:pRg st="3" end="3"/>
+                                            </p:txEl>
+                                          </p:spTgt>
+                                        </p:tgtEl>
+                                        <p:attrNameLst>
+                                          <p:attrName>style.visibility</p:attrName>
+                                        </p:attrNameLst>
+                                      </p:cBhvr>
+                                      <p:to>
+                                        <p:strVal val="visible"/>
+                                      </p:to>
+                                    </p:set>
+                                  </p:childTnLst>
+                                </p:cTn>
+                              </p:par>
+                            </p:childTnLst>
+                          </p:cTn>
+                        </p:par>
+                      </p:childTnLst>
+                    </p:cTn>
+                  </p:par>
+                  <p:par>
+                    <p:cTn id="15" fill="hold">
+                      <p:stCondLst>
+                        <p:cond delay="indefinite"/>
+                      </p:stCondLst>
+                      <p:childTnLst>
+                        <p:par>
+                          <p:cTn id="16" fill="hold">
+                            <p:stCondLst>
+                              <p:cond delay="0"/>
+                            </p:stCondLst>
+                            <p:childTnLst>
+                              <p:par>
+                                <p:cTn id="17" presetID="1" presetClass="entr" presetSubtype="0" fill="hold" grpId="0" nodeType="clickEffect">
+                                  <p:stCondLst>
+                                    <p:cond delay="0"/>
+                                  </p:stCondLst>
+                                  <p:childTnLst>
+                                    <p:set>
+                                      <p:cBhvr>
+                                        <p:cTn id="18" dur="1" fill="hold">
+                                          <p:stCondLst>
+                                            <p:cond delay="0"/>
+                                          </p:stCondLst>
+                                        </p:cTn>
+                                        <p:tgtEl>
+                                          <p:spTgt spid="3">
+                                            <p:txEl>
+                                              <p:pRg st="4" end="4"/>
+                                            </p:txEl>
+                                          </p:spTgt>
+                                        </p:tgtEl>
+                                        <p:attrNameLst>
+                                          <p:attrName>style.visibility</p:attrName>
+                                        </p:attrNameLst>
+                                      </p:cBhvr>
+                                      <p:to>
+                                        <p:strVal val="visible"/>
+                                      </p:to>
+                                    </p:set>
+                                  </p:childTnLst>
+                                </p:cTn>
+                              </p:par>
+                            </p:childTnLst>
+                          </p:cTn>
+                        </p:par>
+                      </p:childTnLst>
+                    </p:cTn>
+                  </p:par>
+                  <p:par>
+                    <p:cTn id="19" fill="hold">
+                      <p:stCondLst>
+                        <p:cond delay="indefinite"/>
+                      </p:stCondLst>
+                      <p:childTnLst>
+                        <p:par>
+                          <p:cTn id="20" fill="hold">
+                            <p:stCondLst>
+                              <p:cond delay="0"/>
+                            </p:stCondLst>
+                            <p:childTnLst>
+                              <p:par>
+                                <p:cTn id="21" presetID="1" presetClass="entr" presetSubtype="0" fill="hold" grpId="0" nodeType="clickEffect">
+                                  <p:stCondLst>
+                                    <p:cond delay="0"/>
+                                  </p:stCondLst>
+                                  <p:childTnLst>
+                                    <p:set>
+                                      <p:cBhvr>
+                                        <p:cTn id="22" dur="1" fill="hold">
+                                          <p:stCondLst>
+                                            <p:cond delay="0"/>
+                                          </p:stCondLst>
+                                        </p:cTn>
+                                        <p:tgtEl>
+                                          <p:spTgt spid="3">
+                                            <p:txEl>
+                                              <p:pRg st="6" end="6"/>
+                                            </p:txEl>
+                                          </p:spTgt>
+                                        </p:tgtEl>
+                                        <p:attrNameLst>
+                                          <p:attrName>style.visibility</p:attrName>
+                                        </p:attrNameLst>
+                                      </p:cBhvr>
+                                      <p:to>
+                                        <p:strVal val="visible"/>
+                                      </p:to>
+                                    </p:set>
+                                  </p:childTnLst>
+                                </p:cTn>
+                              </p:par>
+                            </p:childTnLst>
+                          </p:cTn>
+                        </p:par>
+                      </p:childTnLst>
+                    </p:cTn>
+                  </p:par>
+                  <p:par>
+                    <p:cTn id="23" fill="hold">
+                      <p:stCondLst>
+                        <p:cond delay="indefinite"/>
+                      </p:stCondLst>
+                      <p:childTnLst>
+                        <p:par>
+                          <p:cTn id="24" fill="hold">
+                            <p:stCondLst>
+                              <p:cond delay="0"/>
+                            </p:stCondLst>
+                            <p:childTnLst>
+                              <p:par>
+                                <p:cTn id="25" presetID="1" presetClass="entr" presetSubtype="0" fill="hold" grpId="0" nodeType="clickEffect">
+                                  <p:stCondLst>
+                                    <p:cond delay="0"/>
+                                  </p:stCondLst>
+                                  <p:childTnLst>
+                                    <p:set>
+                                      <p:cBhvr>
+                                        <p:cTn id="26" dur="1" fill="hold">
+                                          <p:stCondLst>
+                                            <p:cond delay="0"/>
+                                          </p:stCondLst>
+                                        </p:cTn>
+                                        <p:tgtEl>
+                                          <p:spTgt spid="3">
+                                            <p:txEl>
+                                              <p:pRg st="7" end="7"/>
+                                            </p:txEl>
+                                          </p:spTgt>
+                                        </p:tgtEl>
+                                        <p:attrNameLst>
+                                          <p:attrName>style.visibility</p:attrName>
+                                        </p:attrNameLst>
+                                      </p:cBhvr>
+                                      <p:to>
+                                        <p:strVal val="visible"/>
+                                      </p:to>
+                                    </p:set>
+                                  </p:childTnLst>
+                                </p:cTn>
+                              </p:par>
+                            </p:childTnLst>
+                          </p:cTn>
+                        </p:par>
+                      </p:childTnLst>
+                    </p:cTn>
+                  </p:par>
+                  <p:par>
+                    <p:cTn id="27" fill="hold">
+                      <p:stCondLst>
+                        <p:cond delay="indefinite"/>
+                      </p:stCondLst>
+                      <p:childTnLst>
+                        <p:par>
+                          <p:cTn id="28" fill="hold">
+                            <p:stCondLst>
+                              <p:cond delay="0"/>
+                            </p:stCondLst>
+                            <p:childTnLst>
+                              <p:par>
+                                <p:cTn id="29" presetID="1" presetClass="entr" presetSubtype="0" fill="hold" grpId="0" nodeType="clickEffect">
+                                  <p:stCondLst>
+                                    <p:cond delay="0"/>
+                                  </p:stCondLst>
+                                  <p:childTnLst>
+                                    <p:set>
+                                      <p:cBhvr>
+                                        <p:cTn id="30" dur="1" fill="hold">
+                                          <p:stCondLst>
+                                            <p:cond delay="0"/>
+                                          </p:stCondLst>
+                                        </p:cTn>
+                                        <p:tgtEl>
+                                          <p:spTgt spid="3">
+                                            <p:txEl>
+                                              <p:pRg st="8" end="8"/>
+                                            </p:txEl>
+                                          </p:spTgt>
+                                        </p:tgtEl>
+                                        <p:attrNameLst>
+                                          <p:attrName>style.visibility</p:attrName>
+                                        </p:attrNameLst>
+                                      </p:cBhvr>
+                                      <p:to>
+                                        <p:strVal val="visible"/>
+                                      </p:to>
+                                    </p:set>
+                                  </p:childTnLst>
+                                </p:cTn>
+                              </p:par>
+                            </p:childTnLst>
+                          </p:cTn>
+                        </p:par>
+                      </p:childTnLst>
+                    </p:cTn>
+                  </p:par>
+                  <p:par>
+                    <p:cTn id="31" fill="hold">
+                      <p:stCondLst>
+                        <p:cond delay="indefinite"/>
+                      </p:stCondLst>
+                      <p:childTnLst>
+                        <p:par>
+                          <p:cTn id="32" fill="hold">
+                            <p:stCondLst>
+                              <p:cond delay="0"/>
+                            </p:stCondLst>
+                            <p:childTnLst>
+                              <p:par>
+                                <p:cTn id="33" presetID="1" presetClass="entr" presetSubtype="0" fill="hold" grpId="0" nodeType="clickEffect">
+                                  <p:stCondLst>
+                                    <p:cond delay="0"/>
+                                  </p:stCondLst>
+                                  <p:childTnLst>
+                                    <p:set>
+                                      <p:cBhvr>
+                                        <p:cTn id="34" dur="1" fill="hold">
+                                          <p:stCondLst>
+                                            <p:cond delay="0"/>
+                                          </p:stCondLst>
+                                        </p:cTn>
+                                        <p:tgtEl>
+                                          <p:spTgt spid="3">
+                                            <p:txEl>
+                                              <p:pRg st="9" end="9"/>
+                                            </p:txEl>
+                                          </p:spTgt>
+                                        </p:tgtEl>
+                                        <p:attrNameLst>
+                                          <p:attrName>style.visibility</p:attrName>
+                                        </p:attrNameLst>
+                                      </p:cBhvr>
+                                      <p:to>
+                                        <p:strVal val="visible"/>
+                                      </p:to>
+                                    </p:set>
+                                  </p:childTnLst>
+                                </p:cTn>
+                              </p:par>
+                            </p:childTnLst>
+                          </p:cTn>
+                        </p:par>
+                      </p:childTnLst>
+                    </p:cTn>
+                  </p:par>
+                </p:childTnLst>
+              </p:cTn>
+              <p:prevCondLst>
+                <p:cond evt="onPrev" delay="0">
+                  <p:tgtEl>
+                    <p:sldTgt/>
+                  </p:tgtEl>
+                </p:cond>
+              </p:prevCondLst>
+              <p:nextCondLst>
+                <p:cond evt="onNext" delay="0">
+                  <p:tgtEl>
+                    <p:sldTgt/>
+                  </p:tgtEl>
+                </p:cond>
+              </p:nextCondLst>
+            </p:seq>
+          </p:childTnLst>
+        </p:cTn>
+      </p:par>
+    </p:tnLst>
+    <p:bldLst>
+      <p:bldP spid="3" grpId="0" build="p"/>
+    </p:bldLst>
+  </p:timing>
 </p:sld>
 </file>
 
@@ -6021,6 +7316,395 @@
   <p:clrMapOvr>
     <a:masterClrMapping/>
   </p:clrMapOvr>
+  <p:timing>
+    <p:tnLst>
+      <p:par>
+        <p:cTn id="1" dur="indefinite" restart="never" nodeType="tmRoot">
+          <p:childTnLst>
+            <p:seq concurrent="1" nextAc="seek">
+              <p:cTn id="2" dur="indefinite" nodeType="mainSeq">
+                <p:childTnLst>
+                  <p:par>
+                    <p:cTn id="3" fill="hold">
+                      <p:stCondLst>
+                        <p:cond delay="indefinite"/>
+                      </p:stCondLst>
+                      <p:childTnLst>
+                        <p:par>
+                          <p:cTn id="4" fill="hold">
+                            <p:stCondLst>
+                              <p:cond delay="0"/>
+                            </p:stCondLst>
+                            <p:childTnLst>
+                              <p:par>
+                                <p:cTn id="5" presetID="1" presetClass="entr" presetSubtype="0" fill="hold" grpId="0" nodeType="clickEffect">
+                                  <p:stCondLst>
+                                    <p:cond delay="0"/>
+                                  </p:stCondLst>
+                                  <p:childTnLst>
+                                    <p:set>
+                                      <p:cBhvr>
+                                        <p:cTn id="6" dur="1" fill="hold">
+                                          <p:stCondLst>
+                                            <p:cond delay="0"/>
+                                          </p:stCondLst>
+                                        </p:cTn>
+                                        <p:tgtEl>
+                                          <p:spTgt spid="3">
+                                            <p:txEl>
+                                              <p:pRg st="0" end="0"/>
+                                            </p:txEl>
+                                          </p:spTgt>
+                                        </p:tgtEl>
+                                        <p:attrNameLst>
+                                          <p:attrName>style.visibility</p:attrName>
+                                        </p:attrNameLst>
+                                      </p:cBhvr>
+                                      <p:to>
+                                        <p:strVal val="visible"/>
+                                      </p:to>
+                                    </p:set>
+                                  </p:childTnLst>
+                                </p:cTn>
+                              </p:par>
+                            </p:childTnLst>
+                          </p:cTn>
+                        </p:par>
+                      </p:childTnLst>
+                    </p:cTn>
+                  </p:par>
+                  <p:par>
+                    <p:cTn id="7" fill="hold">
+                      <p:stCondLst>
+                        <p:cond delay="indefinite"/>
+                      </p:stCondLst>
+                      <p:childTnLst>
+                        <p:par>
+                          <p:cTn id="8" fill="hold">
+                            <p:stCondLst>
+                              <p:cond delay="0"/>
+                            </p:stCondLst>
+                            <p:childTnLst>
+                              <p:par>
+                                <p:cTn id="9" presetID="1" presetClass="entr" presetSubtype="0" fill="hold" grpId="0" nodeType="clickEffect">
+                                  <p:stCondLst>
+                                    <p:cond delay="0"/>
+                                  </p:stCondLst>
+                                  <p:childTnLst>
+                                    <p:set>
+                                      <p:cBhvr>
+                                        <p:cTn id="10" dur="1" fill="hold">
+                                          <p:stCondLst>
+                                            <p:cond delay="0"/>
+                                          </p:stCondLst>
+                                        </p:cTn>
+                                        <p:tgtEl>
+                                          <p:spTgt spid="3">
+                                            <p:txEl>
+                                              <p:pRg st="1" end="1"/>
+                                            </p:txEl>
+                                          </p:spTgt>
+                                        </p:tgtEl>
+                                        <p:attrNameLst>
+                                          <p:attrName>style.visibility</p:attrName>
+                                        </p:attrNameLst>
+                                      </p:cBhvr>
+                                      <p:to>
+                                        <p:strVal val="visible"/>
+                                      </p:to>
+                                    </p:set>
+                                  </p:childTnLst>
+                                </p:cTn>
+                              </p:par>
+                            </p:childTnLst>
+                          </p:cTn>
+                        </p:par>
+                      </p:childTnLst>
+                    </p:cTn>
+                  </p:par>
+                  <p:par>
+                    <p:cTn id="11" fill="hold">
+                      <p:stCondLst>
+                        <p:cond delay="indefinite"/>
+                      </p:stCondLst>
+                      <p:childTnLst>
+                        <p:par>
+                          <p:cTn id="12" fill="hold">
+                            <p:stCondLst>
+                              <p:cond delay="0"/>
+                            </p:stCondLst>
+                            <p:childTnLst>
+                              <p:par>
+                                <p:cTn id="13" presetID="1" presetClass="entr" presetSubtype="0" fill="hold" grpId="0" nodeType="clickEffect">
+                                  <p:stCondLst>
+                                    <p:cond delay="0"/>
+                                  </p:stCondLst>
+                                  <p:childTnLst>
+                                    <p:set>
+                                      <p:cBhvr>
+                                        <p:cTn id="14" dur="1" fill="hold">
+                                          <p:stCondLst>
+                                            <p:cond delay="0"/>
+                                          </p:stCondLst>
+                                        </p:cTn>
+                                        <p:tgtEl>
+                                          <p:spTgt spid="3">
+                                            <p:txEl>
+                                              <p:pRg st="2" end="2"/>
+                                            </p:txEl>
+                                          </p:spTgt>
+                                        </p:tgtEl>
+                                        <p:attrNameLst>
+                                          <p:attrName>style.visibility</p:attrName>
+                                        </p:attrNameLst>
+                                      </p:cBhvr>
+                                      <p:to>
+                                        <p:strVal val="visible"/>
+                                      </p:to>
+                                    </p:set>
+                                  </p:childTnLst>
+                                </p:cTn>
+                              </p:par>
+                            </p:childTnLst>
+                          </p:cTn>
+                        </p:par>
+                      </p:childTnLst>
+                    </p:cTn>
+                  </p:par>
+                  <p:par>
+                    <p:cTn id="15" fill="hold">
+                      <p:stCondLst>
+                        <p:cond delay="indefinite"/>
+                      </p:stCondLst>
+                      <p:childTnLst>
+                        <p:par>
+                          <p:cTn id="16" fill="hold">
+                            <p:stCondLst>
+                              <p:cond delay="0"/>
+                            </p:stCondLst>
+                            <p:childTnLst>
+                              <p:par>
+                                <p:cTn id="17" presetID="1" presetClass="entr" presetSubtype="0" fill="hold" grpId="0" nodeType="clickEffect">
+                                  <p:stCondLst>
+                                    <p:cond delay="0"/>
+                                  </p:stCondLst>
+                                  <p:childTnLst>
+                                    <p:set>
+                                      <p:cBhvr>
+                                        <p:cTn id="18" dur="1" fill="hold">
+                                          <p:stCondLst>
+                                            <p:cond delay="0"/>
+                                          </p:stCondLst>
+                                        </p:cTn>
+                                        <p:tgtEl>
+                                          <p:spTgt spid="3">
+                                            <p:txEl>
+                                              <p:pRg st="3" end="3"/>
+                                            </p:txEl>
+                                          </p:spTgt>
+                                        </p:tgtEl>
+                                        <p:attrNameLst>
+                                          <p:attrName>style.visibility</p:attrName>
+                                        </p:attrNameLst>
+                                      </p:cBhvr>
+                                      <p:to>
+                                        <p:strVal val="visible"/>
+                                      </p:to>
+                                    </p:set>
+                                  </p:childTnLst>
+                                </p:cTn>
+                              </p:par>
+                            </p:childTnLst>
+                          </p:cTn>
+                        </p:par>
+                      </p:childTnLst>
+                    </p:cTn>
+                  </p:par>
+                  <p:par>
+                    <p:cTn id="19" fill="hold">
+                      <p:stCondLst>
+                        <p:cond delay="indefinite"/>
+                      </p:stCondLst>
+                      <p:childTnLst>
+                        <p:par>
+                          <p:cTn id="20" fill="hold">
+                            <p:stCondLst>
+                              <p:cond delay="0"/>
+                            </p:stCondLst>
+                            <p:childTnLst>
+                              <p:par>
+                                <p:cTn id="21" presetID="1" presetClass="entr" presetSubtype="0" fill="hold" grpId="0" nodeType="clickEffect">
+                                  <p:stCondLst>
+                                    <p:cond delay="0"/>
+                                  </p:stCondLst>
+                                  <p:childTnLst>
+                                    <p:set>
+                                      <p:cBhvr>
+                                        <p:cTn id="22" dur="1" fill="hold">
+                                          <p:stCondLst>
+                                            <p:cond delay="0"/>
+                                          </p:stCondLst>
+                                        </p:cTn>
+                                        <p:tgtEl>
+                                          <p:spTgt spid="3">
+                                            <p:txEl>
+                                              <p:pRg st="4" end="4"/>
+                                            </p:txEl>
+                                          </p:spTgt>
+                                        </p:tgtEl>
+                                        <p:attrNameLst>
+                                          <p:attrName>style.visibility</p:attrName>
+                                        </p:attrNameLst>
+                                      </p:cBhvr>
+                                      <p:to>
+                                        <p:strVal val="visible"/>
+                                      </p:to>
+                                    </p:set>
+                                  </p:childTnLst>
+                                </p:cTn>
+                              </p:par>
+                              <p:par>
+                                <p:cTn id="23" presetID="1" presetClass="entr" presetSubtype="0" fill="hold" grpId="0" nodeType="withEffect">
+                                  <p:stCondLst>
+                                    <p:cond delay="0"/>
+                                  </p:stCondLst>
+                                  <p:childTnLst>
+                                    <p:set>
+                                      <p:cBhvr>
+                                        <p:cTn id="24" dur="1" fill="hold">
+                                          <p:stCondLst>
+                                            <p:cond delay="0"/>
+                                          </p:stCondLst>
+                                        </p:cTn>
+                                        <p:tgtEl>
+                                          <p:spTgt spid="3">
+                                            <p:txEl>
+                                              <p:pRg st="5" end="5"/>
+                                            </p:txEl>
+                                          </p:spTgt>
+                                        </p:tgtEl>
+                                        <p:attrNameLst>
+                                          <p:attrName>style.visibility</p:attrName>
+                                        </p:attrNameLst>
+                                      </p:cBhvr>
+                                      <p:to>
+                                        <p:strVal val="visible"/>
+                                      </p:to>
+                                    </p:set>
+                                  </p:childTnLst>
+                                </p:cTn>
+                              </p:par>
+                            </p:childTnLst>
+                          </p:cTn>
+                        </p:par>
+                      </p:childTnLst>
+                    </p:cTn>
+                  </p:par>
+                  <p:par>
+                    <p:cTn id="25" fill="hold">
+                      <p:stCondLst>
+                        <p:cond delay="indefinite"/>
+                      </p:stCondLst>
+                      <p:childTnLst>
+                        <p:par>
+                          <p:cTn id="26" fill="hold">
+                            <p:stCondLst>
+                              <p:cond delay="0"/>
+                            </p:stCondLst>
+                            <p:childTnLst>
+                              <p:par>
+                                <p:cTn id="27" presetID="1" presetClass="entr" presetSubtype="0" fill="hold" grpId="0" nodeType="clickEffect">
+                                  <p:stCondLst>
+                                    <p:cond delay="0"/>
+                                  </p:stCondLst>
+                                  <p:childTnLst>
+                                    <p:set>
+                                      <p:cBhvr>
+                                        <p:cTn id="28" dur="1" fill="hold">
+                                          <p:stCondLst>
+                                            <p:cond delay="0"/>
+                                          </p:stCondLst>
+                                        </p:cTn>
+                                        <p:tgtEl>
+                                          <p:spTgt spid="3">
+                                            <p:txEl>
+                                              <p:pRg st="6" end="6"/>
+                                            </p:txEl>
+                                          </p:spTgt>
+                                        </p:tgtEl>
+                                        <p:attrNameLst>
+                                          <p:attrName>style.visibility</p:attrName>
+                                        </p:attrNameLst>
+                                      </p:cBhvr>
+                                      <p:to>
+                                        <p:strVal val="visible"/>
+                                      </p:to>
+                                    </p:set>
+                                  </p:childTnLst>
+                                </p:cTn>
+                              </p:par>
+                              <p:par>
+                                <p:cTn id="29" presetID="1" presetClass="entr" presetSubtype="0" fill="hold" grpId="0" nodeType="withEffect">
+                                  <p:stCondLst>
+                                    <p:cond delay="0"/>
+                                  </p:stCondLst>
+                                  <p:childTnLst>
+                                    <p:set>
+                                      <p:cBhvr>
+                                        <p:cTn id="30" dur="1" fill="hold">
+                                          <p:stCondLst>
+                                            <p:cond delay="0"/>
+                                          </p:stCondLst>
+                                        </p:cTn>
+                                        <p:tgtEl>
+                                          <p:spTgt spid="3">
+                                            <p:txEl>
+                                              <p:pRg st="7" end="7"/>
+                                            </p:txEl>
+                                          </p:spTgt>
+                                        </p:tgtEl>
+                                        <p:attrNameLst>
+                                          <p:attrName>style.visibility</p:attrName>
+                                        </p:attrNameLst>
+                                      </p:cBhvr>
+                                      <p:to>
+                                        <p:strVal val="visible"/>
+                                      </p:to>
+                                    </p:set>
+                                  </p:childTnLst>
+                                </p:cTn>
+                              </p:par>
+                            </p:childTnLst>
+                          </p:cTn>
+                        </p:par>
+                      </p:childTnLst>
+                    </p:cTn>
+                  </p:par>
+                </p:childTnLst>
+              </p:cTn>
+              <p:prevCondLst>
+                <p:cond evt="onPrev" delay="0">
+                  <p:tgtEl>
+                    <p:sldTgt/>
+                  </p:tgtEl>
+                </p:cond>
+              </p:prevCondLst>
+              <p:nextCondLst>
+                <p:cond evt="onNext" delay="0">
+                  <p:tgtEl>
+                    <p:sldTgt/>
+                  </p:tgtEl>
+                </p:cond>
+              </p:nextCondLst>
+            </p:seq>
+          </p:childTnLst>
+        </p:cTn>
+      </p:par>
+    </p:tnLst>
+    <p:bldLst>
+      <p:bldP spid="3" grpId="0" build="p"/>
+    </p:bldLst>
+  </p:timing>
 </p:sld>
 </file>
 
@@ -6202,6 +7886,382 @@
   <p:clrMapOvr>
     <a:masterClrMapping/>
   </p:clrMapOvr>
+  <p:timing>
+    <p:tnLst>
+      <p:par>
+        <p:cTn id="1" dur="indefinite" restart="never" nodeType="tmRoot">
+          <p:childTnLst>
+            <p:seq concurrent="1" nextAc="seek">
+              <p:cTn id="2" dur="indefinite" nodeType="mainSeq">
+                <p:childTnLst>
+                  <p:par>
+                    <p:cTn id="3" fill="hold">
+                      <p:stCondLst>
+                        <p:cond delay="indefinite"/>
+                      </p:stCondLst>
+                      <p:childTnLst>
+                        <p:par>
+                          <p:cTn id="4" fill="hold">
+                            <p:stCondLst>
+                              <p:cond delay="0"/>
+                            </p:stCondLst>
+                            <p:childTnLst>
+                              <p:par>
+                                <p:cTn id="5" presetID="1" presetClass="entr" presetSubtype="0" fill="hold" grpId="0" nodeType="clickEffect">
+                                  <p:stCondLst>
+                                    <p:cond delay="0"/>
+                                  </p:stCondLst>
+                                  <p:childTnLst>
+                                    <p:set>
+                                      <p:cBhvr>
+                                        <p:cTn id="6" dur="1" fill="hold">
+                                          <p:stCondLst>
+                                            <p:cond delay="0"/>
+                                          </p:stCondLst>
+                                        </p:cTn>
+                                        <p:tgtEl>
+                                          <p:spTgt spid="3">
+                                            <p:txEl>
+                                              <p:pRg st="0" end="0"/>
+                                            </p:txEl>
+                                          </p:spTgt>
+                                        </p:tgtEl>
+                                        <p:attrNameLst>
+                                          <p:attrName>style.visibility</p:attrName>
+                                        </p:attrNameLst>
+                                      </p:cBhvr>
+                                      <p:to>
+                                        <p:strVal val="visible"/>
+                                      </p:to>
+                                    </p:set>
+                                  </p:childTnLst>
+                                </p:cTn>
+                              </p:par>
+                            </p:childTnLst>
+                          </p:cTn>
+                        </p:par>
+                      </p:childTnLst>
+                    </p:cTn>
+                  </p:par>
+                  <p:par>
+                    <p:cTn id="7" fill="hold">
+                      <p:stCondLst>
+                        <p:cond delay="indefinite"/>
+                      </p:stCondLst>
+                      <p:childTnLst>
+                        <p:par>
+                          <p:cTn id="8" fill="hold">
+                            <p:stCondLst>
+                              <p:cond delay="0"/>
+                            </p:stCondLst>
+                            <p:childTnLst>
+                              <p:par>
+                                <p:cTn id="9" presetID="1" presetClass="entr" presetSubtype="0" fill="hold" grpId="0" nodeType="clickEffect">
+                                  <p:stCondLst>
+                                    <p:cond delay="0"/>
+                                  </p:stCondLst>
+                                  <p:childTnLst>
+                                    <p:set>
+                                      <p:cBhvr>
+                                        <p:cTn id="10" dur="1" fill="hold">
+                                          <p:stCondLst>
+                                            <p:cond delay="0"/>
+                                          </p:stCondLst>
+                                        </p:cTn>
+                                        <p:tgtEl>
+                                          <p:spTgt spid="3">
+                                            <p:txEl>
+                                              <p:pRg st="1" end="1"/>
+                                            </p:txEl>
+                                          </p:spTgt>
+                                        </p:tgtEl>
+                                        <p:attrNameLst>
+                                          <p:attrName>style.visibility</p:attrName>
+                                        </p:attrNameLst>
+                                      </p:cBhvr>
+                                      <p:to>
+                                        <p:strVal val="visible"/>
+                                      </p:to>
+                                    </p:set>
+                                  </p:childTnLst>
+                                </p:cTn>
+                              </p:par>
+                            </p:childTnLst>
+                          </p:cTn>
+                        </p:par>
+                      </p:childTnLst>
+                    </p:cTn>
+                  </p:par>
+                  <p:par>
+                    <p:cTn id="11" fill="hold">
+                      <p:stCondLst>
+                        <p:cond delay="indefinite"/>
+                      </p:stCondLst>
+                      <p:childTnLst>
+                        <p:par>
+                          <p:cTn id="12" fill="hold">
+                            <p:stCondLst>
+                              <p:cond delay="0"/>
+                            </p:stCondLst>
+                            <p:childTnLst>
+                              <p:par>
+                                <p:cTn id="13" presetID="1" presetClass="entr" presetSubtype="0" fill="hold" grpId="0" nodeType="clickEffect">
+                                  <p:stCondLst>
+                                    <p:cond delay="0"/>
+                                  </p:stCondLst>
+                                  <p:childTnLst>
+                                    <p:set>
+                                      <p:cBhvr>
+                                        <p:cTn id="14" dur="1" fill="hold">
+                                          <p:stCondLst>
+                                            <p:cond delay="0"/>
+                                          </p:stCondLst>
+                                        </p:cTn>
+                                        <p:tgtEl>
+                                          <p:spTgt spid="3">
+                                            <p:txEl>
+                                              <p:pRg st="2" end="2"/>
+                                            </p:txEl>
+                                          </p:spTgt>
+                                        </p:tgtEl>
+                                        <p:attrNameLst>
+                                          <p:attrName>style.visibility</p:attrName>
+                                        </p:attrNameLst>
+                                      </p:cBhvr>
+                                      <p:to>
+                                        <p:strVal val="visible"/>
+                                      </p:to>
+                                    </p:set>
+                                  </p:childTnLst>
+                                </p:cTn>
+                              </p:par>
+                            </p:childTnLst>
+                          </p:cTn>
+                        </p:par>
+                      </p:childTnLst>
+                    </p:cTn>
+                  </p:par>
+                  <p:par>
+                    <p:cTn id="15" fill="hold">
+                      <p:stCondLst>
+                        <p:cond delay="indefinite"/>
+                      </p:stCondLst>
+                      <p:childTnLst>
+                        <p:par>
+                          <p:cTn id="16" fill="hold">
+                            <p:stCondLst>
+                              <p:cond delay="0"/>
+                            </p:stCondLst>
+                            <p:childTnLst>
+                              <p:par>
+                                <p:cTn id="17" presetID="1" presetClass="entr" presetSubtype="0" fill="hold" grpId="0" nodeType="clickEffect">
+                                  <p:stCondLst>
+                                    <p:cond delay="0"/>
+                                  </p:stCondLst>
+                                  <p:childTnLst>
+                                    <p:set>
+                                      <p:cBhvr>
+                                        <p:cTn id="18" dur="1" fill="hold">
+                                          <p:stCondLst>
+                                            <p:cond delay="0"/>
+                                          </p:stCondLst>
+                                        </p:cTn>
+                                        <p:tgtEl>
+                                          <p:spTgt spid="3">
+                                            <p:txEl>
+                                              <p:pRg st="3" end="3"/>
+                                            </p:txEl>
+                                          </p:spTgt>
+                                        </p:tgtEl>
+                                        <p:attrNameLst>
+                                          <p:attrName>style.visibility</p:attrName>
+                                        </p:attrNameLst>
+                                      </p:cBhvr>
+                                      <p:to>
+                                        <p:strVal val="visible"/>
+                                      </p:to>
+                                    </p:set>
+                                  </p:childTnLst>
+                                </p:cTn>
+                              </p:par>
+                            </p:childTnLst>
+                          </p:cTn>
+                        </p:par>
+                      </p:childTnLst>
+                    </p:cTn>
+                  </p:par>
+                  <p:par>
+                    <p:cTn id="19" fill="hold">
+                      <p:stCondLst>
+                        <p:cond delay="indefinite"/>
+                      </p:stCondLst>
+                      <p:childTnLst>
+                        <p:par>
+                          <p:cTn id="20" fill="hold">
+                            <p:stCondLst>
+                              <p:cond delay="0"/>
+                            </p:stCondLst>
+                            <p:childTnLst>
+                              <p:par>
+                                <p:cTn id="21" presetID="1" presetClass="entr" presetSubtype="0" fill="hold" grpId="0" nodeType="clickEffect">
+                                  <p:stCondLst>
+                                    <p:cond delay="0"/>
+                                  </p:stCondLst>
+                                  <p:childTnLst>
+                                    <p:set>
+                                      <p:cBhvr>
+                                        <p:cTn id="22" dur="1" fill="hold">
+                                          <p:stCondLst>
+                                            <p:cond delay="0"/>
+                                          </p:stCondLst>
+                                        </p:cTn>
+                                        <p:tgtEl>
+                                          <p:spTgt spid="3">
+                                            <p:txEl>
+                                              <p:pRg st="4" end="4"/>
+                                            </p:txEl>
+                                          </p:spTgt>
+                                        </p:tgtEl>
+                                        <p:attrNameLst>
+                                          <p:attrName>style.visibility</p:attrName>
+                                        </p:attrNameLst>
+                                      </p:cBhvr>
+                                      <p:to>
+                                        <p:strVal val="visible"/>
+                                      </p:to>
+                                    </p:set>
+                                  </p:childTnLst>
+                                </p:cTn>
+                              </p:par>
+                            </p:childTnLst>
+                          </p:cTn>
+                        </p:par>
+                      </p:childTnLst>
+                    </p:cTn>
+                  </p:par>
+                  <p:par>
+                    <p:cTn id="23" fill="hold">
+                      <p:stCondLst>
+                        <p:cond delay="indefinite"/>
+                      </p:stCondLst>
+                      <p:childTnLst>
+                        <p:par>
+                          <p:cTn id="24" fill="hold">
+                            <p:stCondLst>
+                              <p:cond delay="0"/>
+                            </p:stCondLst>
+                            <p:childTnLst>
+                              <p:par>
+                                <p:cTn id="25" presetID="1" presetClass="entr" presetSubtype="0" fill="hold" grpId="0" nodeType="clickEffect">
+                                  <p:stCondLst>
+                                    <p:cond delay="0"/>
+                                  </p:stCondLst>
+                                  <p:childTnLst>
+                                    <p:set>
+                                      <p:cBhvr>
+                                        <p:cTn id="26" dur="1" fill="hold">
+                                          <p:stCondLst>
+                                            <p:cond delay="0"/>
+                                          </p:stCondLst>
+                                        </p:cTn>
+                                        <p:tgtEl>
+                                          <p:spTgt spid="3">
+                                            <p:txEl>
+                                              <p:pRg st="5" end="5"/>
+                                            </p:txEl>
+                                          </p:spTgt>
+                                        </p:tgtEl>
+                                        <p:attrNameLst>
+                                          <p:attrName>style.visibility</p:attrName>
+                                        </p:attrNameLst>
+                                      </p:cBhvr>
+                                      <p:to>
+                                        <p:strVal val="visible"/>
+                                      </p:to>
+                                    </p:set>
+                                  </p:childTnLst>
+                                </p:cTn>
+                              </p:par>
+                            </p:childTnLst>
+                          </p:cTn>
+                        </p:par>
+                      </p:childTnLst>
+                    </p:cTn>
+                  </p:par>
+                  <p:par>
+                    <p:cTn id="27" fill="hold">
+                      <p:stCondLst>
+                        <p:cond delay="indefinite"/>
+                      </p:stCondLst>
+                      <p:childTnLst>
+                        <p:par>
+                          <p:cTn id="28" fill="hold">
+                            <p:stCondLst>
+                              <p:cond delay="0"/>
+                            </p:stCondLst>
+                            <p:childTnLst>
+                              <p:par>
+                                <p:cTn id="29" presetID="1" presetClass="entr" presetSubtype="0" fill="hold" grpId="0" nodeType="clickEffect">
+                                  <p:stCondLst>
+                                    <p:cond delay="0"/>
+                                  </p:stCondLst>
+                                  <p:childTnLst>
+                                    <p:set>
+                                      <p:cBhvr>
+                                        <p:cTn id="30" dur="1" fill="hold">
+                                          <p:stCondLst>
+                                            <p:cond delay="0"/>
+                                          </p:stCondLst>
+                                        </p:cTn>
+                                        <p:tgtEl>
+                                          <p:spTgt spid="3">
+                                            <p:txEl>
+                                              <p:pRg st="6" end="6"/>
+                                            </p:txEl>
+                                          </p:spTgt>
+                                        </p:tgtEl>
+                                        <p:attrNameLst>
+                                          <p:attrName>style.visibility</p:attrName>
+                                        </p:attrNameLst>
+                                      </p:cBhvr>
+                                      <p:to>
+                                        <p:strVal val="visible"/>
+                                      </p:to>
+                                    </p:set>
+                                  </p:childTnLst>
+                                </p:cTn>
+                              </p:par>
+                            </p:childTnLst>
+                          </p:cTn>
+                        </p:par>
+                      </p:childTnLst>
+                    </p:cTn>
+                  </p:par>
+                </p:childTnLst>
+              </p:cTn>
+              <p:prevCondLst>
+                <p:cond evt="onPrev" delay="0">
+                  <p:tgtEl>
+                    <p:sldTgt/>
+                  </p:tgtEl>
+                </p:cond>
+              </p:prevCondLst>
+              <p:nextCondLst>
+                <p:cond evt="onNext" delay="0">
+                  <p:tgtEl>
+                    <p:sldTgt/>
+                  </p:tgtEl>
+                </p:cond>
+              </p:nextCondLst>
+            </p:seq>
+          </p:childTnLst>
+        </p:cTn>
+      </p:par>
+    </p:tnLst>
+    <p:bldLst>
+      <p:bldP spid="3" grpId="0" build="p"/>
+    </p:bldLst>
+  </p:timing>
 </p:sld>
 </file>
 
@@ -8243,8 +10303,8 @@
         </p:nvSpPr>
         <p:spPr>
           <a:xfrm>
-            <a:off x="5643154" y="1802675"/>
-            <a:ext cx="6357257" cy="3139321"/>
+            <a:off x="5651863" y="1383580"/>
+            <a:ext cx="6357257" cy="5355312"/>
           </a:xfrm>
           <a:prstGeom prst="rect">
             <a:avLst/>
@@ -8291,7 +10351,14 @@
             </a:pPr>
             <a:r>
               <a:rPr lang="en-KR" dirty="0"/>
-              <a:t>Business Intelligence packages(basic data mining)</a:t>
+              <a:t>Business Intelligence packages</a:t>
+            </a:r>
+          </a:p>
+          <a:p>
+            <a:pPr lvl="1"/>
+            <a:r>
+              <a:rPr lang="en-KR" dirty="0"/>
+              <a:t>basic data mining</a:t>
             </a:r>
           </a:p>
           <a:p>
@@ -8301,7 +10368,14 @@
             </a:pPr>
             <a:r>
               <a:rPr lang="en-KR" dirty="0"/>
-              <a:t>Mathematical packages(algorithms)</a:t>
+              <a:t>Mathematical packages</a:t>
+            </a:r>
+          </a:p>
+          <a:p>
+            <a:pPr lvl="1"/>
+            <a:r>
+              <a:rPr lang="en-KR" dirty="0"/>
+              <a:t>algorithms</a:t>
             </a:r>
           </a:p>
           <a:p>
@@ -8311,7 +10385,14 @@
             </a:pPr>
             <a:r>
               <a:rPr lang="en-KR" dirty="0"/>
-              <a:t>Integration packages(integrate different open-source)</a:t>
+              <a:t>Integration packages</a:t>
+            </a:r>
+          </a:p>
+          <a:p>
+            <a:pPr lvl="1"/>
+            <a:r>
+              <a:rPr lang="en-KR" dirty="0"/>
+              <a:t>integrate different open-source</a:t>
             </a:r>
           </a:p>
           <a:p>
@@ -8321,7 +10402,14 @@
             </a:pPr>
             <a:r>
               <a:rPr lang="en-KR" dirty="0"/>
-              <a:t>EXT(small add-one)</a:t>
+              <a:t>EXT</a:t>
+            </a:r>
+          </a:p>
+          <a:p>
+            <a:pPr lvl="1"/>
+            <a:r>
+              <a:rPr lang="en-KR" dirty="0"/>
+              <a:t>small add-one</a:t>
             </a:r>
           </a:p>
           <a:p>
@@ -8331,7 +10419,14 @@
             </a:pPr>
             <a:r>
               <a:rPr lang="en-KR" dirty="0"/>
-              <a:t>Data mining libraries(data mining algorithms into libraries)</a:t>
+              <a:t>Data mining libraries</a:t>
+            </a:r>
+          </a:p>
+          <a:p>
+            <a:pPr lvl="1"/>
+            <a:r>
+              <a:rPr lang="en-KR" dirty="0"/>
+              <a:t>data mining algorithms into libraries</a:t>
             </a:r>
           </a:p>
           <a:p>
@@ -8341,7 +10436,14 @@
             </a:pPr>
             <a:r>
               <a:rPr lang="en-KR" dirty="0"/>
-              <a:t>Specialties(implement only one special family of data)</a:t>
+              <a:t>Specialties</a:t>
+            </a:r>
+          </a:p>
+          <a:p>
+            <a:pPr lvl="1"/>
+            <a:r>
+              <a:rPr lang="en-KR" dirty="0"/>
+              <a:t>implement only one special family of data</a:t>
             </a:r>
           </a:p>
           <a:p>
@@ -8351,7 +10453,14 @@
             </a:pPr>
             <a:r>
               <a:rPr lang="en-KR" dirty="0"/>
-              <a:t>RES(new and innovative data mining algorithms)</a:t>
+              <a:t>RES</a:t>
+            </a:r>
+          </a:p>
+          <a:p>
+            <a:pPr lvl="1"/>
+            <a:r>
+              <a:rPr lang="en-KR" dirty="0"/>
+              <a:t>new and innovative data mining algorithms</a:t>
             </a:r>
           </a:p>
           <a:p>
@@ -8361,7 +10470,14 @@
             </a:pPr>
             <a:r>
               <a:rPr lang="en-KR" dirty="0"/>
-              <a:t>Solutions(domain-specific applications)</a:t>
+              <a:t>Solutions</a:t>
+            </a:r>
+          </a:p>
+          <a:p>
+            <a:pPr lvl="1"/>
+            <a:r>
+              <a:rPr lang="en-KR" dirty="0"/>
+              <a:t>domain-specific applications</a:t>
             </a:r>
           </a:p>
           <a:p>
@@ -8733,7 +10849,15 @@
           <a:p>
             <a:r>
               <a:rPr lang="en-US" dirty="0"/>
-              <a:t>3 DATA MINING IN SELECTIVE MANUFACTURING DOMAINS: REQUIREMENT ANALYSIS, TOOLS AND TECHNIQUES </a:t>
+              <a:t>3 </a:t>
+            </a:r>
+            <a:r>
+              <a:rPr lang="en-US" b="1" dirty="0"/>
+              <a:t>DATA MINING IN SELECTIVE MANUFACTURING DOMAINS</a:t>
+            </a:r>
+            <a:r>
+              <a:rPr lang="en-US" dirty="0"/>
+              <a:t>: REQUIREMENT ANALYSIS, TOOLS AND TECHNIQUES </a:t>
             </a:r>
             <a:endParaRPr lang="en-KR" dirty="0"/>
           </a:p>
@@ -8823,9 +10947,13 @@
           <a:p>
             <a:r>
               <a:rPr lang="en-US" dirty="0"/>
-              <a:t>3.1 Data Mining In The “Design Intent” Retrieval Process For Manufacturing </a:t>
-            </a:r>
-            <a:endParaRPr lang="en-KR" dirty="0"/>
+              <a:t>3.1 Data Mining In The </a:t>
+            </a:r>
+            <a:r>
+              <a:rPr lang="en-US" b="1" dirty="0"/>
+              <a:t>“Design Intent” Retrieval Process For Manufacturing </a:t>
+            </a:r>
+            <a:endParaRPr lang="en-KR" b="1" dirty="0"/>
           </a:p>
         </p:txBody>
       </p:sp>
@@ -9530,6 +11658,385 @@
   <p:clrMapOvr>
     <a:masterClrMapping/>
   </p:clrMapOvr>
+  <p:timing>
+    <p:tnLst>
+      <p:par>
+        <p:cTn id="1" dur="indefinite" restart="never" nodeType="tmRoot">
+          <p:childTnLst>
+            <p:seq concurrent="1" nextAc="seek">
+              <p:cTn id="2" dur="indefinite" nodeType="mainSeq">
+                <p:childTnLst>
+                  <p:par>
+                    <p:cTn id="3" fill="hold">
+                      <p:stCondLst>
+                        <p:cond delay="indefinite"/>
+                      </p:stCondLst>
+                      <p:childTnLst>
+                        <p:par>
+                          <p:cTn id="4" fill="hold">
+                            <p:stCondLst>
+                              <p:cond delay="0"/>
+                            </p:stCondLst>
+                            <p:childTnLst>
+                              <p:par>
+                                <p:cTn id="5" presetID="1" presetClass="entr" presetSubtype="0" fill="hold" grpId="0" nodeType="clickEffect">
+                                  <p:stCondLst>
+                                    <p:cond delay="0"/>
+                                  </p:stCondLst>
+                                  <p:childTnLst>
+                                    <p:set>
+                                      <p:cBhvr>
+                                        <p:cTn id="6" dur="1" fill="hold">
+                                          <p:stCondLst>
+                                            <p:cond delay="0"/>
+                                          </p:stCondLst>
+                                        </p:cTn>
+                                        <p:tgtEl>
+                                          <p:spTgt spid="3">
+                                            <p:txEl>
+                                              <p:pRg st="0" end="0"/>
+                                            </p:txEl>
+                                          </p:spTgt>
+                                        </p:tgtEl>
+                                        <p:attrNameLst>
+                                          <p:attrName>style.visibility</p:attrName>
+                                        </p:attrNameLst>
+                                      </p:cBhvr>
+                                      <p:to>
+                                        <p:strVal val="visible"/>
+                                      </p:to>
+                                    </p:set>
+                                  </p:childTnLst>
+                                </p:cTn>
+                              </p:par>
+                              <p:par>
+                                <p:cTn id="7" presetID="1" presetClass="entr" presetSubtype="0" fill="hold" grpId="0" nodeType="withEffect">
+                                  <p:stCondLst>
+                                    <p:cond delay="0"/>
+                                  </p:stCondLst>
+                                  <p:childTnLst>
+                                    <p:set>
+                                      <p:cBhvr>
+                                        <p:cTn id="8" dur="1" fill="hold">
+                                          <p:stCondLst>
+                                            <p:cond delay="0"/>
+                                          </p:stCondLst>
+                                        </p:cTn>
+                                        <p:tgtEl>
+                                          <p:spTgt spid="3">
+                                            <p:txEl>
+                                              <p:pRg st="1" end="1"/>
+                                            </p:txEl>
+                                          </p:spTgt>
+                                        </p:tgtEl>
+                                        <p:attrNameLst>
+                                          <p:attrName>style.visibility</p:attrName>
+                                        </p:attrNameLst>
+                                      </p:cBhvr>
+                                      <p:to>
+                                        <p:strVal val="visible"/>
+                                      </p:to>
+                                    </p:set>
+                                  </p:childTnLst>
+                                </p:cTn>
+                              </p:par>
+                              <p:par>
+                                <p:cTn id="9" presetID="1" presetClass="entr" presetSubtype="0" fill="hold" grpId="0" nodeType="withEffect">
+                                  <p:stCondLst>
+                                    <p:cond delay="0"/>
+                                  </p:stCondLst>
+                                  <p:childTnLst>
+                                    <p:set>
+                                      <p:cBhvr>
+                                        <p:cTn id="10" dur="1" fill="hold">
+                                          <p:stCondLst>
+                                            <p:cond delay="0"/>
+                                          </p:stCondLst>
+                                        </p:cTn>
+                                        <p:tgtEl>
+                                          <p:spTgt spid="3">
+                                            <p:txEl>
+                                              <p:pRg st="2" end="2"/>
+                                            </p:txEl>
+                                          </p:spTgt>
+                                        </p:tgtEl>
+                                        <p:attrNameLst>
+                                          <p:attrName>style.visibility</p:attrName>
+                                        </p:attrNameLst>
+                                      </p:cBhvr>
+                                      <p:to>
+                                        <p:strVal val="visible"/>
+                                      </p:to>
+                                    </p:set>
+                                  </p:childTnLst>
+                                </p:cTn>
+                              </p:par>
+                              <p:par>
+                                <p:cTn id="11" presetID="1" presetClass="entr" presetSubtype="0" fill="hold" grpId="0" nodeType="withEffect">
+                                  <p:stCondLst>
+                                    <p:cond delay="0"/>
+                                  </p:stCondLst>
+                                  <p:childTnLst>
+                                    <p:set>
+                                      <p:cBhvr>
+                                        <p:cTn id="12" dur="1" fill="hold">
+                                          <p:stCondLst>
+                                            <p:cond delay="0"/>
+                                          </p:stCondLst>
+                                        </p:cTn>
+                                        <p:tgtEl>
+                                          <p:spTgt spid="3">
+                                            <p:txEl>
+                                              <p:pRg st="3" end="3"/>
+                                            </p:txEl>
+                                          </p:spTgt>
+                                        </p:tgtEl>
+                                        <p:attrNameLst>
+                                          <p:attrName>style.visibility</p:attrName>
+                                        </p:attrNameLst>
+                                      </p:cBhvr>
+                                      <p:to>
+                                        <p:strVal val="visible"/>
+                                      </p:to>
+                                    </p:set>
+                                  </p:childTnLst>
+                                </p:cTn>
+                              </p:par>
+                              <p:par>
+                                <p:cTn id="13" presetID="1" presetClass="entr" presetSubtype="0" fill="hold" grpId="0" nodeType="withEffect">
+                                  <p:stCondLst>
+                                    <p:cond delay="0"/>
+                                  </p:stCondLst>
+                                  <p:childTnLst>
+                                    <p:set>
+                                      <p:cBhvr>
+                                        <p:cTn id="14" dur="1" fill="hold">
+                                          <p:stCondLst>
+                                            <p:cond delay="0"/>
+                                          </p:stCondLst>
+                                        </p:cTn>
+                                        <p:tgtEl>
+                                          <p:spTgt spid="3">
+                                            <p:txEl>
+                                              <p:pRg st="4" end="4"/>
+                                            </p:txEl>
+                                          </p:spTgt>
+                                        </p:tgtEl>
+                                        <p:attrNameLst>
+                                          <p:attrName>style.visibility</p:attrName>
+                                        </p:attrNameLst>
+                                      </p:cBhvr>
+                                      <p:to>
+                                        <p:strVal val="visible"/>
+                                      </p:to>
+                                    </p:set>
+                                  </p:childTnLst>
+                                </p:cTn>
+                              </p:par>
+                              <p:par>
+                                <p:cTn id="15" presetID="1" presetClass="entr" presetSubtype="0" fill="hold" grpId="0" nodeType="withEffect">
+                                  <p:stCondLst>
+                                    <p:cond delay="0"/>
+                                  </p:stCondLst>
+                                  <p:childTnLst>
+                                    <p:set>
+                                      <p:cBhvr>
+                                        <p:cTn id="16" dur="1" fill="hold">
+                                          <p:stCondLst>
+                                            <p:cond delay="0"/>
+                                          </p:stCondLst>
+                                        </p:cTn>
+                                        <p:tgtEl>
+                                          <p:spTgt spid="3">
+                                            <p:txEl>
+                                              <p:pRg st="5" end="5"/>
+                                            </p:txEl>
+                                          </p:spTgt>
+                                        </p:tgtEl>
+                                        <p:attrNameLst>
+                                          <p:attrName>style.visibility</p:attrName>
+                                        </p:attrNameLst>
+                                      </p:cBhvr>
+                                      <p:to>
+                                        <p:strVal val="visible"/>
+                                      </p:to>
+                                    </p:set>
+                                  </p:childTnLst>
+                                </p:cTn>
+                              </p:par>
+                            </p:childTnLst>
+                          </p:cTn>
+                        </p:par>
+                      </p:childTnLst>
+                    </p:cTn>
+                  </p:par>
+                  <p:par>
+                    <p:cTn id="17" fill="hold">
+                      <p:stCondLst>
+                        <p:cond delay="indefinite"/>
+                      </p:stCondLst>
+                      <p:childTnLst>
+                        <p:par>
+                          <p:cTn id="18" fill="hold">
+                            <p:stCondLst>
+                              <p:cond delay="0"/>
+                            </p:stCondLst>
+                            <p:childTnLst>
+                              <p:par>
+                                <p:cTn id="19" presetID="1" presetClass="entr" presetSubtype="0" fill="hold" grpId="0" nodeType="clickEffect">
+                                  <p:stCondLst>
+                                    <p:cond delay="0"/>
+                                  </p:stCondLst>
+                                  <p:childTnLst>
+                                    <p:set>
+                                      <p:cBhvr>
+                                        <p:cTn id="20" dur="1" fill="hold">
+                                          <p:stCondLst>
+                                            <p:cond delay="0"/>
+                                          </p:stCondLst>
+                                        </p:cTn>
+                                        <p:tgtEl>
+                                          <p:spTgt spid="3">
+                                            <p:txEl>
+                                              <p:pRg st="6" end="6"/>
+                                            </p:txEl>
+                                          </p:spTgt>
+                                        </p:tgtEl>
+                                        <p:attrNameLst>
+                                          <p:attrName>style.visibility</p:attrName>
+                                        </p:attrNameLst>
+                                      </p:cBhvr>
+                                      <p:to>
+                                        <p:strVal val="visible"/>
+                                      </p:to>
+                                    </p:set>
+                                  </p:childTnLst>
+                                </p:cTn>
+                              </p:par>
+                              <p:par>
+                                <p:cTn id="21" presetID="1" presetClass="entr" presetSubtype="0" fill="hold" grpId="0" nodeType="withEffect">
+                                  <p:stCondLst>
+                                    <p:cond delay="0"/>
+                                  </p:stCondLst>
+                                  <p:childTnLst>
+                                    <p:set>
+                                      <p:cBhvr>
+                                        <p:cTn id="22" dur="1" fill="hold">
+                                          <p:stCondLst>
+                                            <p:cond delay="0"/>
+                                          </p:stCondLst>
+                                        </p:cTn>
+                                        <p:tgtEl>
+                                          <p:spTgt spid="3">
+                                            <p:txEl>
+                                              <p:pRg st="7" end="7"/>
+                                            </p:txEl>
+                                          </p:spTgt>
+                                        </p:tgtEl>
+                                        <p:attrNameLst>
+                                          <p:attrName>style.visibility</p:attrName>
+                                        </p:attrNameLst>
+                                      </p:cBhvr>
+                                      <p:to>
+                                        <p:strVal val="visible"/>
+                                      </p:to>
+                                    </p:set>
+                                  </p:childTnLst>
+                                </p:cTn>
+                              </p:par>
+                              <p:par>
+                                <p:cTn id="23" presetID="1" presetClass="entr" presetSubtype="0" fill="hold" grpId="0" nodeType="withEffect">
+                                  <p:stCondLst>
+                                    <p:cond delay="0"/>
+                                  </p:stCondLst>
+                                  <p:childTnLst>
+                                    <p:set>
+                                      <p:cBhvr>
+                                        <p:cTn id="24" dur="1" fill="hold">
+                                          <p:stCondLst>
+                                            <p:cond delay="0"/>
+                                          </p:stCondLst>
+                                        </p:cTn>
+                                        <p:tgtEl>
+                                          <p:spTgt spid="3">
+                                            <p:txEl>
+                                              <p:pRg st="8" end="8"/>
+                                            </p:txEl>
+                                          </p:spTgt>
+                                        </p:tgtEl>
+                                        <p:attrNameLst>
+                                          <p:attrName>style.visibility</p:attrName>
+                                        </p:attrNameLst>
+                                      </p:cBhvr>
+                                      <p:to>
+                                        <p:strVal val="visible"/>
+                                      </p:to>
+                                    </p:set>
+                                  </p:childTnLst>
+                                </p:cTn>
+                              </p:par>
+                              <p:par>
+                                <p:cTn id="25" presetID="1" presetClass="entr" presetSubtype="0" fill="hold" grpId="0" nodeType="withEffect">
+                                  <p:stCondLst>
+                                    <p:cond delay="0"/>
+                                  </p:stCondLst>
+                                  <p:childTnLst>
+                                    <p:set>
+                                      <p:cBhvr>
+                                        <p:cTn id="26" dur="1" fill="hold">
+                                          <p:stCondLst>
+                                            <p:cond delay="0"/>
+                                          </p:stCondLst>
+                                        </p:cTn>
+                                        <p:tgtEl>
+                                          <p:spTgt spid="3">
+                                            <p:txEl>
+                                              <p:pRg st="9" end="9"/>
+                                            </p:txEl>
+                                          </p:spTgt>
+                                        </p:tgtEl>
+                                        <p:attrNameLst>
+                                          <p:attrName>style.visibility</p:attrName>
+                                        </p:attrNameLst>
+                                      </p:cBhvr>
+                                      <p:to>
+                                        <p:strVal val="visible"/>
+                                      </p:to>
+                                    </p:set>
+                                  </p:childTnLst>
+                                </p:cTn>
+                              </p:par>
+                            </p:childTnLst>
+                          </p:cTn>
+                        </p:par>
+                      </p:childTnLst>
+                    </p:cTn>
+                  </p:par>
+                </p:childTnLst>
+              </p:cTn>
+              <p:prevCondLst>
+                <p:cond evt="onPrev" delay="0">
+                  <p:tgtEl>
+                    <p:sldTgt/>
+                  </p:tgtEl>
+                </p:cond>
+              </p:prevCondLst>
+              <p:nextCondLst>
+                <p:cond evt="onNext" delay="0">
+                  <p:tgtEl>
+                    <p:sldTgt/>
+                  </p:tgtEl>
+                </p:cond>
+              </p:nextCondLst>
+            </p:seq>
+          </p:childTnLst>
+        </p:cTn>
+      </p:par>
+    </p:tnLst>
+    <p:bldLst>
+      <p:bldP spid="3" grpId="0" build="p"/>
+    </p:bldLst>
+  </p:timing>
 </p:sld>
 </file>
 
